--- a/123086/TCOSD-123086.pptx
+++ b/123086/TCOSD-123086.pptx
@@ -5350,7 +5350,7 @@
           <a:graphicData uri="http://schemas.openxmlformats.org/presentationml/2006/ole">
             <mc:AlternateContent xmlns:mc="http://schemas.openxmlformats.org/markup-compatibility/2006">
               <mc:Choice xmlns:v="urn:schemas-microsoft-com:vml" Requires="v">
-                <p:oleObj spid="_x0000_s3078" name="Equation" r:id="rId3" imgW="114120" imgH="126720" progId="Equation.3">
+                <p:oleObj spid="_x0000_s3089" name="Equation" r:id="rId3" imgW="114120" imgH="126720" progId="Equation.3">
                   <p:embed/>
                 </p:oleObj>
               </mc:Choice>
@@ -7830,20 +7830,20 @@
           <p:nvPr>
             <p:extLst>
               <p:ext uri="{D42A27DB-BD31-4B8C-83A1-F6EECF244321}">
-                <p14:modId xmlns:p14="http://schemas.microsoft.com/office/powerpoint/2010/main" val="1584827812"/>
+                <p14:modId xmlns:p14="http://schemas.microsoft.com/office/powerpoint/2010/main" val="55063009"/>
               </p:ext>
             </p:extLst>
           </p:nvPr>
         </p:nvGraphicFramePr>
         <p:xfrm>
           <a:off x="522377" y="1251773"/>
-          <a:ext cx="4604009" cy="936408"/>
+          <a:ext cx="4604009" cy="836261"/>
         </p:xfrm>
         <a:graphic>
           <a:graphicData uri="http://schemas.openxmlformats.org/presentationml/2006/ole">
             <mc:AlternateContent xmlns:mc="http://schemas.openxmlformats.org/markup-compatibility/2006">
               <mc:Choice xmlns:v="urn:schemas-microsoft-com:vml" Requires="v">
-                <p:oleObj spid="_x0000_s1277" name="Equation" r:id="rId3" imgW="2247840" imgH="457200" progId="Equation.3">
+                <p:oleObj spid="_x0000_s1332" name="Equation" r:id="rId3" imgW="2247840" imgH="457200" progId="Equation.3">
                   <p:embed/>
                 </p:oleObj>
               </mc:Choice>
@@ -7865,7 +7865,7 @@
                     <p:spPr>
                       <a:xfrm>
                         <a:off x="522377" y="1251773"/>
-                        <a:ext cx="4604009" cy="936408"/>
+                        <a:ext cx="4604009" cy="836261"/>
                       </a:xfrm>
                       <a:prstGeom prst="rect">
                         <a:avLst/>
@@ -7887,20 +7887,20 @@
           <p:nvPr>
             <p:extLst>
               <p:ext uri="{D42A27DB-BD31-4B8C-83A1-F6EECF244321}">
-                <p14:modId xmlns:p14="http://schemas.microsoft.com/office/powerpoint/2010/main" val="379289078"/>
+                <p14:modId xmlns:p14="http://schemas.microsoft.com/office/powerpoint/2010/main" val="1990789808"/>
               </p:ext>
             </p:extLst>
           </p:nvPr>
         </p:nvGraphicFramePr>
         <p:xfrm>
-          <a:off x="516599" y="2798089"/>
-          <a:ext cx="3959225" cy="917575"/>
+          <a:off x="533824" y="2817473"/>
+          <a:ext cx="3858453" cy="721741"/>
         </p:xfrm>
         <a:graphic>
           <a:graphicData uri="http://schemas.openxmlformats.org/presentationml/2006/ole">
             <mc:AlternateContent xmlns:mc="http://schemas.openxmlformats.org/markup-compatibility/2006">
               <mc:Choice xmlns:v="urn:schemas-microsoft-com:vml" Requires="v">
-                <p:oleObj spid="_x0000_s1278" name="Equation" r:id="rId5" imgW="1917360" imgH="444240" progId="Equation.3">
+                <p:oleObj spid="_x0000_s1333" name="Equation" r:id="rId5" imgW="1917360" imgH="444240" progId="Equation.3">
                   <p:embed/>
                 </p:oleObj>
               </mc:Choice>
@@ -7921,8 +7921,8 @@
                     </p:blipFill>
                     <p:spPr>
                       <a:xfrm>
-                        <a:off x="516599" y="2798089"/>
-                        <a:ext cx="3959225" cy="917575"/>
+                        <a:off x="533824" y="2817473"/>
+                        <a:ext cx="3858453" cy="721741"/>
                       </a:xfrm>
                       <a:prstGeom prst="rect">
                         <a:avLst/>
@@ -7957,7 +7957,7 @@
           <a:graphicData uri="http://schemas.openxmlformats.org/presentationml/2006/ole">
             <mc:AlternateContent xmlns:mc="http://schemas.openxmlformats.org/markup-compatibility/2006">
               <mc:Choice xmlns:v="urn:schemas-microsoft-com:vml" Requires="v">
-                <p:oleObj spid="_x0000_s1279" name="Equation" r:id="rId7" imgW="114120" imgH="215640" progId="Equation.3">
+                <p:oleObj spid="_x0000_s1334" name="Equation" r:id="rId7" imgW="114120" imgH="215640" progId="Equation.3">
                   <p:embed/>
                 </p:oleObj>
               </mc:Choice>
@@ -8014,7 +8014,7 @@
           <a:graphicData uri="http://schemas.openxmlformats.org/presentationml/2006/ole">
             <mc:AlternateContent xmlns:mc="http://schemas.openxmlformats.org/markup-compatibility/2006">
               <mc:Choice xmlns:v="urn:schemas-microsoft-com:vml" Requires="v">
-                <p:oleObj spid="_x0000_s1280" name="Equation" r:id="rId9" imgW="114120" imgH="215640" progId="Equation.3">
+                <p:oleObj spid="_x0000_s1335" name="Equation" r:id="rId9" imgW="114120" imgH="215640" progId="Equation.3">
                   <p:embed/>
                 </p:oleObj>
               </mc:Choice>
@@ -8058,20 +8058,20 @@
           <p:nvPr>
             <p:extLst>
               <p:ext uri="{D42A27DB-BD31-4B8C-83A1-F6EECF244321}">
-                <p14:modId xmlns:p14="http://schemas.microsoft.com/office/powerpoint/2010/main" val="2215803844"/>
+                <p14:modId xmlns:p14="http://schemas.microsoft.com/office/powerpoint/2010/main" val="3995187923"/>
               </p:ext>
             </p:extLst>
           </p:nvPr>
         </p:nvGraphicFramePr>
         <p:xfrm>
-          <a:off x="478420" y="4732591"/>
-          <a:ext cx="5114031" cy="886094"/>
+          <a:off x="533824" y="4721538"/>
+          <a:ext cx="5114031" cy="836611"/>
         </p:xfrm>
         <a:graphic>
           <a:graphicData uri="http://schemas.openxmlformats.org/presentationml/2006/ole">
             <mc:AlternateContent xmlns:mc="http://schemas.openxmlformats.org/markup-compatibility/2006">
               <mc:Choice xmlns:v="urn:schemas-microsoft-com:vml" Requires="v">
-                <p:oleObj spid="_x0000_s1281" name="Equation" r:id="rId10" imgW="2565360" imgH="444240" progId="Equation.3">
+                <p:oleObj spid="_x0000_s1336" name="Equation" r:id="rId10" imgW="2565360" imgH="444240" progId="Equation.3">
                   <p:embed/>
                 </p:oleObj>
               </mc:Choice>
@@ -8092,8 +8092,8 @@
                     </p:blipFill>
                     <p:spPr>
                       <a:xfrm>
-                        <a:off x="478420" y="4732591"/>
-                        <a:ext cx="5114031" cy="886094"/>
+                        <a:off x="533824" y="4721538"/>
+                        <a:ext cx="5114031" cy="836611"/>
                       </a:xfrm>
                       <a:prstGeom prst="rect">
                         <a:avLst/>
@@ -8114,7 +8114,7 @@
         </p:nvSpPr>
         <p:spPr>
           <a:xfrm>
-            <a:off x="5126386" y="2936064"/>
+            <a:off x="4955638" y="2849984"/>
             <a:ext cx="1083212" cy="369332"/>
           </a:xfrm>
           <a:prstGeom prst="rect">
@@ -8263,7 +8263,7 @@
         </p:nvSpPr>
         <p:spPr>
           <a:xfrm>
-            <a:off x="516599" y="3973828"/>
+            <a:off x="478420" y="3931783"/>
             <a:ext cx="5955476" cy="461665"/>
           </a:xfrm>
           <a:prstGeom prst="rect">
@@ -12108,7 +12108,35 @@
                 <a:latin typeface="Times New Roman" panose="02020603050405020304" pitchFamily="18" charset="0"/>
                 <a:cs typeface="Times New Roman" panose="02020603050405020304" pitchFamily="18" charset="0"/>
               </a:rPr>
-              <a:t>Calculate best C and g (kernel width)for RBF </a:t>
+              <a:t>Calculate best </a:t>
+            </a:r>
+            <a:r>
+              <a:rPr lang="en-US" sz="2000" i="1" dirty="0">
+                <a:latin typeface="Times New Roman" panose="02020603050405020304" pitchFamily="18" charset="0"/>
+                <a:cs typeface="Times New Roman" panose="02020603050405020304" pitchFamily="18" charset="0"/>
+              </a:rPr>
+              <a:t>C</a:t>
+            </a:r>
+            <a:r>
+              <a:rPr lang="en-US" sz="2000" dirty="0">
+                <a:latin typeface="Times New Roman" panose="02020603050405020304" pitchFamily="18" charset="0"/>
+                <a:cs typeface="Times New Roman" panose="02020603050405020304" pitchFamily="18" charset="0"/>
+              </a:rPr>
+              <a:t> and </a:t>
+            </a:r>
+            <a:r>
+              <a:rPr lang="en-US" sz="2000" i="1" dirty="0">
+                <a:latin typeface="Times New Roman" panose="02020603050405020304" pitchFamily="18" charset="0"/>
+                <a:cs typeface="Times New Roman" panose="02020603050405020304" pitchFamily="18" charset="0"/>
+              </a:rPr>
+              <a:t>g</a:t>
+            </a:r>
+            <a:r>
+              <a:rPr lang="en-US" sz="2000" dirty="0">
+                <a:latin typeface="Times New Roman" panose="02020603050405020304" pitchFamily="18" charset="0"/>
+                <a:cs typeface="Times New Roman" panose="02020603050405020304" pitchFamily="18" charset="0"/>
+              </a:rPr>
+              <a:t> (kernel width)for RBF </a:t>
             </a:r>
           </a:p>
           <a:p>
@@ -12170,7 +12198,7 @@
           <p:nvPr>
             <p:extLst>
               <p:ext uri="{D42A27DB-BD31-4B8C-83A1-F6EECF244321}">
-                <p14:modId xmlns:p14="http://schemas.microsoft.com/office/powerpoint/2010/main" val="2274412007"/>
+                <p14:modId xmlns:p14="http://schemas.microsoft.com/office/powerpoint/2010/main" val="2167418967"/>
               </p:ext>
             </p:extLst>
           </p:nvPr>
@@ -12283,7 +12311,7 @@
                           <a:latin typeface="Times New Roman" panose="02020603050405020304" pitchFamily="18" charset="0"/>
                           <a:cs typeface="Times New Roman" panose="02020603050405020304" pitchFamily="18" charset="0"/>
                         </a:rPr>
-                        <a:t>       Train</a:t>
+                        <a:t>Train</a:t>
                       </a:r>
                     </a:p>
                   </a:txBody>
@@ -12343,7 +12371,7 @@
                           <a:latin typeface="Times New Roman" panose="02020603050405020304" pitchFamily="18" charset="0"/>
                           <a:cs typeface="Times New Roman" panose="02020603050405020304" pitchFamily="18" charset="0"/>
                         </a:rPr>
-                        <a:t>         Test</a:t>
+                        <a:t> Test</a:t>
                       </a:r>
                     </a:p>
                   </a:txBody>
@@ -15111,7 +15139,7 @@
                 <a:latin typeface="Times New Roman" panose="02020603050405020304" pitchFamily="18" charset="0"/>
                 <a:cs typeface="Times New Roman" panose="02020603050405020304" pitchFamily="18" charset="0"/>
               </a:rPr>
-              <a:t>Kernel  support vector machine (KSVM)[3]</a:t>
+              <a:t>Kernel  support vector machine (KSVM)[6]</a:t>
             </a:r>
           </a:p>
         </p:txBody>
@@ -16387,7 +16415,7 @@
           <p:nvPr>
             <p:extLst>
               <p:ext uri="{D42A27DB-BD31-4B8C-83A1-F6EECF244321}">
-                <p14:modId xmlns:p14="http://schemas.microsoft.com/office/powerpoint/2010/main" val="4018818434"/>
+                <p14:modId xmlns:p14="http://schemas.microsoft.com/office/powerpoint/2010/main" val="2905534990"/>
               </p:ext>
             </p:extLst>
           </p:nvPr>
@@ -16485,7 +16513,7 @@
                     <a:lstStyle/>
                     <a:p>
                       <a:r>
-                        <a:rPr lang="en-US" sz="2000" dirty="0">
+                        <a:rPr lang="en-US" sz="2000" i="1" dirty="0">
                           <a:latin typeface="Times New Roman" panose="02020603050405020304" pitchFamily="18" charset="0"/>
                           <a:cs typeface="Times New Roman" panose="02020603050405020304" pitchFamily="18" charset="0"/>
                         </a:rPr>
@@ -16538,7 +16566,7 @@
                     <a:lstStyle/>
                     <a:p>
                       <a:r>
-                        <a:rPr lang="en-US" sz="2000" dirty="0">
+                        <a:rPr lang="en-US" sz="2000" i="1" dirty="0">
                           <a:latin typeface="Times New Roman" panose="02020603050405020304" pitchFamily="18" charset="0"/>
                           <a:cs typeface="Times New Roman" panose="02020603050405020304" pitchFamily="18" charset="0"/>
                         </a:rPr>
@@ -17315,7 +17343,7 @@
           <a:graphicData uri="http://schemas.openxmlformats.org/presentationml/2006/ole">
             <mc:AlternateContent xmlns:mc="http://schemas.openxmlformats.org/markup-compatibility/2006">
               <mc:Choice xmlns:v="urn:schemas-microsoft-com:vml" Requires="v">
-                <p:oleObj spid="_x0000_s2100" name="Equation" r:id="rId4" imgW="114120" imgH="164880" progId="Equation.3">
+                <p:oleObj spid="_x0000_s2111" name="Equation" r:id="rId4" imgW="114120" imgH="164880" progId="Equation.3">
                   <p:embed/>
                 </p:oleObj>
               </mc:Choice>
@@ -22566,15 +22594,33 @@
                                   </p:childTnLst>
                                 </p:cTn>
                               </p:par>
+                            </p:childTnLst>
+                          </p:cTn>
+                        </p:par>
+                      </p:childTnLst>
+                    </p:cTn>
+                  </p:par>
+                  <p:par>
+                    <p:cTn id="31" fill="hold">
+                      <p:stCondLst>
+                        <p:cond delay="indefinite"/>
+                      </p:stCondLst>
+                      <p:childTnLst>
+                        <p:par>
+                          <p:cTn id="32" fill="hold">
+                            <p:stCondLst>
+                              <p:cond delay="0"/>
+                            </p:stCondLst>
+                            <p:childTnLst>
                               <p:par>
-                                <p:cTn id="31" presetID="2" presetClass="entr" presetSubtype="4" fill="hold" grpId="0" nodeType="withEffect">
+                                <p:cTn id="33" presetID="2" presetClass="entr" presetSubtype="4" fill="hold" grpId="0" nodeType="clickEffect">
                                   <p:stCondLst>
                                     <p:cond delay="0"/>
                                   </p:stCondLst>
                                   <p:childTnLst>
                                     <p:set>
                                       <p:cBhvr>
-                                        <p:cTn id="32" dur="1" fill="hold">
+                                        <p:cTn id="34" dur="1" fill="hold">
                                           <p:stCondLst>
                                             <p:cond delay="0"/>
                                           </p:stCondLst>
@@ -22592,7 +22638,7 @@
                                     </p:set>
                                     <p:anim calcmode="lin" valueType="num">
                                       <p:cBhvr additive="base">
-                                        <p:cTn id="33" dur="500" fill="hold"/>
+                                        <p:cTn id="35" dur="500" fill="hold"/>
                                         <p:tgtEl>
                                           <p:spTgt spid="2"/>
                                         </p:tgtEl>
@@ -22615,7 +22661,7 @@
                                     </p:anim>
                                     <p:anim calcmode="lin" valueType="num">
                                       <p:cBhvr additive="base">
-                                        <p:cTn id="34" dur="500" fill="hold"/>
+                                        <p:cTn id="36" dur="500" fill="hold"/>
                                         <p:tgtEl>
                                           <p:spTgt spid="2"/>
                                         </p:tgtEl>
@@ -22637,17 +22683,51 @@
                                       </p:tavLst>
                                     </p:anim>
                                   </p:childTnLst>
+                                  <p:subTnLst>
+                                    <p:animClr clrSpc="rgb" dir="cw">
+                                      <p:cBhvr override="childStyle">
+                                        <p:cTn dur="1" fill="hold" display="0" masterRel="nextClick" afterEffect="1"/>
+                                        <p:tgtEl>
+                                          <p:spTgt spid="2"/>
+                                        </p:tgtEl>
+                                        <p:attrNameLst>
+                                          <p:attrName>ppt_c</p:attrName>
+                                        </p:attrNameLst>
+                                      </p:cBhvr>
+                                      <p:to>
+                                        <a:srgbClr val="FF3300"/>
+                                      </p:to>
+                                    </p:animClr>
+                                  </p:subTnLst>
                                 </p:cTn>
                               </p:par>
+                            </p:childTnLst>
+                          </p:cTn>
+                        </p:par>
+                      </p:childTnLst>
+                    </p:cTn>
+                  </p:par>
+                  <p:par>
+                    <p:cTn id="37" fill="hold">
+                      <p:stCondLst>
+                        <p:cond delay="indefinite"/>
+                      </p:stCondLst>
+                      <p:childTnLst>
+                        <p:par>
+                          <p:cTn id="38" fill="hold">
+                            <p:stCondLst>
+                              <p:cond delay="0"/>
+                            </p:stCondLst>
+                            <p:childTnLst>
                               <p:par>
-                                <p:cTn id="35" presetID="2" presetClass="entr" presetSubtype="4" fill="hold" grpId="0" nodeType="withEffect">
+                                <p:cTn id="39" presetID="2" presetClass="entr" presetSubtype="4" fill="hold" grpId="0" nodeType="clickEffect">
                                   <p:stCondLst>
                                     <p:cond delay="0"/>
                                   </p:stCondLst>
                                   <p:childTnLst>
                                     <p:set>
                                       <p:cBhvr>
-                                        <p:cTn id="36" dur="1" fill="hold">
+                                        <p:cTn id="40" dur="1" fill="hold">
                                           <p:stCondLst>
                                             <p:cond delay="0"/>
                                           </p:stCondLst>
@@ -22665,7 +22745,7 @@
                                     </p:set>
                                     <p:anim calcmode="lin" valueType="num">
                                       <p:cBhvr additive="base">
-                                        <p:cTn id="37" dur="500" fill="hold"/>
+                                        <p:cTn id="41" dur="500" fill="hold"/>
                                         <p:tgtEl>
                                           <p:spTgt spid="13"/>
                                         </p:tgtEl>
@@ -22688,7 +22768,7 @@
                                     </p:anim>
                                     <p:anim calcmode="lin" valueType="num">
                                       <p:cBhvr additive="base">
-                                        <p:cTn id="38" dur="500" fill="hold"/>
+                                        <p:cTn id="42" dur="500" fill="hold"/>
                                         <p:tgtEl>
                                           <p:spTgt spid="13"/>
                                         </p:tgtEl>
@@ -22710,6 +22790,22 @@
                                       </p:tavLst>
                                     </p:anim>
                                   </p:childTnLst>
+                                  <p:subTnLst>
+                                    <p:animClr clrSpc="rgb" dir="cw">
+                                      <p:cBhvr override="childStyle">
+                                        <p:cTn dur="1" fill="hold" display="0" masterRel="nextClick" afterEffect="1"/>
+                                        <p:tgtEl>
+                                          <p:spTgt spid="13"/>
+                                        </p:tgtEl>
+                                        <p:attrNameLst>
+                                          <p:attrName>ppt_c</p:attrName>
+                                        </p:attrNameLst>
+                                      </p:cBhvr>
+                                      <p:to>
+                                        <a:srgbClr val="00CC00"/>
+                                      </p:to>
+                                    </p:animClr>
+                                  </p:subTnLst>
                                 </p:cTn>
                               </p:par>
                             </p:childTnLst>
@@ -22719,26 +22815,26 @@
                     </p:cTn>
                   </p:par>
                   <p:par>
-                    <p:cTn id="39" fill="hold">
+                    <p:cTn id="43" fill="hold">
                       <p:stCondLst>
                         <p:cond delay="indefinite"/>
                       </p:stCondLst>
                       <p:childTnLst>
                         <p:par>
-                          <p:cTn id="40" fill="hold">
+                          <p:cTn id="44" fill="hold">
                             <p:stCondLst>
                               <p:cond delay="0"/>
                             </p:stCondLst>
                             <p:childTnLst>
                               <p:par>
-                                <p:cTn id="41" presetID="2" presetClass="entr" presetSubtype="4" fill="hold" grpId="0" nodeType="clickEffect">
+                                <p:cTn id="45" presetID="2" presetClass="entr" presetSubtype="4" fill="hold" grpId="0" nodeType="clickEffect">
                                   <p:stCondLst>
                                     <p:cond delay="0"/>
                                   </p:stCondLst>
                                   <p:childTnLst>
                                     <p:set>
                                       <p:cBhvr>
-                                        <p:cTn id="42" dur="1" fill="hold">
+                                        <p:cTn id="46" dur="1" fill="hold">
                                           <p:stCondLst>
                                             <p:cond delay="0"/>
                                           </p:stCondLst>
@@ -22756,7 +22852,7 @@
                                     </p:set>
                                     <p:anim calcmode="lin" valueType="num">
                                       <p:cBhvr additive="base">
-                                        <p:cTn id="43" dur="500" fill="hold"/>
+                                        <p:cTn id="47" dur="500" fill="hold"/>
                                         <p:tgtEl>
                                           <p:spTgt spid="16"/>
                                         </p:tgtEl>
@@ -22779,7 +22875,7 @@
                                     </p:anim>
                                     <p:anim calcmode="lin" valueType="num">
                                       <p:cBhvr additive="base">
-                                        <p:cTn id="44" dur="500" fill="hold"/>
+                                        <p:cTn id="48" dur="500" fill="hold"/>
                                         <p:tgtEl>
                                           <p:spTgt spid="16"/>
                                         </p:tgtEl>
@@ -22813,7 +22909,7 @@
                                         </p:attrNameLst>
                                       </p:cBhvr>
                                       <p:to>
-                                        <a:srgbClr val="BE2208"/>
+                                        <a:srgbClr val="FF3300"/>
                                       </p:to>
                                     </p:animClr>
                                   </p:subTnLst>
